--- a/Slides/Lecture06.pptx
+++ b/Slides/Lecture06.pptx
@@ -5,29 +5,30 @@
     <p:sldMasterId id="2147484082" r:id="rId4"/>
   </p:sldMasterIdLst>
   <p:notesMasterIdLst>
-    <p:notesMasterId r:id="rId22"/>
+    <p:notesMasterId r:id="rId23"/>
   </p:notesMasterIdLst>
   <p:handoutMasterIdLst>
-    <p:handoutMasterId r:id="rId23"/>
+    <p:handoutMasterId r:id="rId24"/>
   </p:handoutMasterIdLst>
   <p:sldIdLst>
     <p:sldId id="880" r:id="rId5"/>
-    <p:sldId id="881" r:id="rId6"/>
-    <p:sldId id="882" r:id="rId7"/>
-    <p:sldId id="883" r:id="rId8"/>
-    <p:sldId id="884" r:id="rId9"/>
-    <p:sldId id="885" r:id="rId10"/>
-    <p:sldId id="886" r:id="rId11"/>
-    <p:sldId id="887" r:id="rId12"/>
-    <p:sldId id="888" r:id="rId13"/>
-    <p:sldId id="889" r:id="rId14"/>
-    <p:sldId id="890" r:id="rId15"/>
-    <p:sldId id="891" r:id="rId16"/>
-    <p:sldId id="892" r:id="rId17"/>
-    <p:sldId id="893" r:id="rId18"/>
-    <p:sldId id="894" r:id="rId19"/>
-    <p:sldId id="895" r:id="rId20"/>
-    <p:sldId id="896" r:id="rId21"/>
+    <p:sldId id="897" r:id="rId6"/>
+    <p:sldId id="881" r:id="rId7"/>
+    <p:sldId id="882" r:id="rId8"/>
+    <p:sldId id="883" r:id="rId9"/>
+    <p:sldId id="884" r:id="rId10"/>
+    <p:sldId id="885" r:id="rId11"/>
+    <p:sldId id="886" r:id="rId12"/>
+    <p:sldId id="887" r:id="rId13"/>
+    <p:sldId id="888" r:id="rId14"/>
+    <p:sldId id="889" r:id="rId15"/>
+    <p:sldId id="890" r:id="rId16"/>
+    <p:sldId id="891" r:id="rId17"/>
+    <p:sldId id="892" r:id="rId18"/>
+    <p:sldId id="893" r:id="rId19"/>
+    <p:sldId id="894" r:id="rId20"/>
+    <p:sldId id="895" r:id="rId21"/>
+    <p:sldId id="896" r:id="rId22"/>
   </p:sldIdLst>
   <p:sldSz cx="9326563" cy="6994525"/>
   <p:notesSz cx="6858000" cy="9144000"/>
@@ -132,6 +133,7 @@
         <p14:section name="Introduction" id="{E115B30C-257A-493A-917D-0D3AE027FF58}">
           <p14:sldIdLst>
             <p14:sldId id="880"/>
+            <p14:sldId id="897"/>
             <p14:sldId id="881"/>
             <p14:sldId id="882"/>
             <p14:sldId id="883"/>
@@ -4795,6 +4797,62 @@
           <a:chExt cx="0" cy="0"/>
         </a:xfrm>
       </p:grpSpPr>
+      <p:sp>
+        <p:nvSpPr>
+          <p:cNvPr id="2" name="Title 1"/>
+          <p:cNvSpPr>
+            <a:spLocks noGrp="1"/>
+          </p:cNvSpPr>
+          <p:nvPr>
+            <p:ph type="title"/>
+          </p:nvPr>
+        </p:nvSpPr>
+        <p:spPr/>
+        <p:txBody>
+          <a:bodyPr/>
+          <a:lstStyle/>
+          <a:p>
+            <a:r>
+              <a:rPr lang="en-US" dirty="0"/>
+              <a:t>Race Condition Demo</a:t>
+            </a:r>
+            <a:endParaRPr lang="da-DK" dirty="0"/>
+          </a:p>
+        </p:txBody>
+      </p:sp>
+    </p:spTree>
+    <p:extLst>
+      <p:ext uri="{BB962C8B-B14F-4D97-AF65-F5344CB8AC3E}">
+        <p14:creationId xmlns:p14="http://schemas.microsoft.com/office/powerpoint/2010/main" val="4060576183"/>
+      </p:ext>
+    </p:extLst>
+  </p:cSld>
+  <p:clrMapOvr>
+    <a:masterClrMapping/>
+  </p:clrMapOvr>
+  <p:transition>
+    <p:fade/>
+  </p:transition>
+</p:sld>
+</file>
+
+<file path=ppt/slides/slide11.xml><?xml version="1.0" encoding="utf-8"?>
+<p:sld xmlns:a="http://schemas.openxmlformats.org/drawingml/2006/main" xmlns:r="http://schemas.openxmlformats.org/officeDocument/2006/relationships" xmlns:p="http://schemas.openxmlformats.org/presentationml/2006/main">
+  <p:cSld>
+    <p:spTree>
+      <p:nvGrpSpPr>
+        <p:cNvPr id="1" name=""/>
+        <p:cNvGrpSpPr/>
+        <p:nvPr/>
+      </p:nvGrpSpPr>
+      <p:grpSpPr>
+        <a:xfrm>
+          <a:off x="0" y="0"/>
+          <a:ext cx="0" cy="0"/>
+          <a:chOff x="0" y="0"/>
+          <a:chExt cx="0" cy="0"/>
+        </a:xfrm>
+      </p:grpSpPr>
       <p:pic>
         <p:nvPicPr>
           <p:cNvPr id="3" name="Picture 2"/>
@@ -4864,7 +4922,7 @@
 </p:sld>
 </file>
 
-<file path=ppt/slides/slide11.xml><?xml version="1.0" encoding="utf-8"?>
+<file path=ppt/slides/slide12.xml><?xml version="1.0" encoding="utf-8"?>
 <p:sld xmlns:a="http://schemas.openxmlformats.org/drawingml/2006/main" xmlns:r="http://schemas.openxmlformats.org/officeDocument/2006/relationships" xmlns:p="http://schemas.openxmlformats.org/presentationml/2006/main">
   <p:cSld>
     <p:spTree>
@@ -5179,7 +5237,7 @@
 </p:sld>
 </file>
 
-<file path=ppt/slides/slide12.xml><?xml version="1.0" encoding="utf-8"?>
+<file path=ppt/slides/slide13.xml><?xml version="1.0" encoding="utf-8"?>
 <p:sld xmlns:a="http://schemas.openxmlformats.org/drawingml/2006/main" xmlns:r="http://schemas.openxmlformats.org/officeDocument/2006/relationships" xmlns:p="http://schemas.openxmlformats.org/presentationml/2006/main">
   <p:cSld>
     <p:spTree>
@@ -5235,7 +5293,7 @@
 </p:sld>
 </file>
 
-<file path=ppt/slides/slide13.xml><?xml version="1.0" encoding="utf-8"?>
+<file path=ppt/slides/slide14.xml><?xml version="1.0" encoding="utf-8"?>
 <p:sld xmlns:a="http://schemas.openxmlformats.org/drawingml/2006/main" xmlns:r="http://schemas.openxmlformats.org/officeDocument/2006/relationships" xmlns:p="http://schemas.openxmlformats.org/presentationml/2006/main">
   <p:cSld>
     <p:spTree>
@@ -5644,7 +5702,7 @@
 </p:sld>
 </file>
 
-<file path=ppt/slides/slide14.xml><?xml version="1.0" encoding="utf-8"?>
+<file path=ppt/slides/slide15.xml><?xml version="1.0" encoding="utf-8"?>
 <p:sld xmlns:a="http://schemas.openxmlformats.org/drawingml/2006/main" xmlns:r="http://schemas.openxmlformats.org/officeDocument/2006/relationships" xmlns:p="http://schemas.openxmlformats.org/presentationml/2006/main">
   <p:cSld>
     <p:spTree>
@@ -5739,7 +5797,7 @@
 </p:sld>
 </file>
 
-<file path=ppt/slides/slide15.xml><?xml version="1.0" encoding="utf-8"?>
+<file path=ppt/slides/slide16.xml><?xml version="1.0" encoding="utf-8"?>
 <p:sld xmlns:a="http://schemas.openxmlformats.org/drawingml/2006/main" xmlns:r="http://schemas.openxmlformats.org/officeDocument/2006/relationships" xmlns:p="http://schemas.openxmlformats.org/presentationml/2006/main">
   <p:cSld>
     <p:spTree>
@@ -6146,7 +6204,7 @@
 </p:sld>
 </file>
 
-<file path=ppt/slides/slide16.xml><?xml version="1.0" encoding="utf-8"?>
+<file path=ppt/slides/slide17.xml><?xml version="1.0" encoding="utf-8"?>
 <p:sld xmlns:a="http://schemas.openxmlformats.org/drawingml/2006/main" xmlns:r="http://schemas.openxmlformats.org/officeDocument/2006/relationships" xmlns:p="http://schemas.openxmlformats.org/presentationml/2006/main">
   <p:cSld>
     <p:spTree>
@@ -6586,7 +6644,7 @@
 </p:sld>
 </file>
 
-<file path=ppt/slides/slide17.xml><?xml version="1.0" encoding="utf-8"?>
+<file path=ppt/slides/slide18.xml><?xml version="1.0" encoding="utf-8"?>
 <p:sld xmlns:a="http://schemas.openxmlformats.org/drawingml/2006/main" xmlns:r="http://schemas.openxmlformats.org/officeDocument/2006/relationships" xmlns:p="http://schemas.openxmlformats.org/presentationml/2006/main">
   <p:cSld>
     <p:spTree>
@@ -6655,6 +6713,168 @@
 </file>
 
 <file path=ppt/slides/slide2.xml><?xml version="1.0" encoding="utf-8"?>
+<p:sld xmlns:a="http://schemas.openxmlformats.org/drawingml/2006/main" xmlns:r="http://schemas.openxmlformats.org/officeDocument/2006/relationships" xmlns:p="http://schemas.openxmlformats.org/presentationml/2006/main">
+  <p:cSld>
+    <p:bg>
+      <p:bgPr>
+        <a:solidFill>
+          <a:srgbClr val="007233"/>
+        </a:solidFill>
+        <a:effectLst/>
+      </p:bgPr>
+    </p:bg>
+    <p:spTree>
+      <p:nvGrpSpPr>
+        <p:cNvPr id="1" name=""/>
+        <p:cNvGrpSpPr/>
+        <p:nvPr/>
+      </p:nvGrpSpPr>
+      <p:grpSpPr>
+        <a:xfrm>
+          <a:off x="0" y="0"/>
+          <a:ext cx="0" cy="0"/>
+          <a:chOff x="0" y="0"/>
+          <a:chExt cx="0" cy="0"/>
+        </a:xfrm>
+      </p:grpSpPr>
+      <p:sp>
+        <p:nvSpPr>
+          <p:cNvPr id="3" name="Title 2"/>
+          <p:cNvSpPr>
+            <a:spLocks noGrp="1"/>
+          </p:cNvSpPr>
+          <p:nvPr>
+            <p:ph type="title"/>
+          </p:nvPr>
+        </p:nvSpPr>
+        <p:spPr/>
+        <p:txBody>
+          <a:bodyPr/>
+          <a:lstStyle/>
+          <a:p>
+            <a:r>
+              <a:rPr lang="da-DK" dirty="0">
+                <a:solidFill>
+                  <a:schemeClr val="bg1"/>
+                </a:solidFill>
+              </a:rPr>
+              <a:t>Agenda</a:t>
+            </a:r>
+          </a:p>
+        </p:txBody>
+      </p:sp>
+      <p:sp>
+        <p:nvSpPr>
+          <p:cNvPr id="4" name="Text Placeholder 3"/>
+          <p:cNvSpPr>
+            <a:spLocks noGrp="1"/>
+          </p:cNvSpPr>
+          <p:nvPr>
+            <p:ph type="body" sz="quarter" idx="10"/>
+          </p:nvPr>
+        </p:nvSpPr>
+        <p:spPr>
+          <a:xfrm>
+            <a:off x="274209" y="1212850"/>
+            <a:ext cx="8778240" cy="4339650"/>
+          </a:xfrm>
+        </p:spPr>
+        <p:txBody>
+          <a:bodyPr/>
+          <a:lstStyle/>
+          <a:p>
+            <a:r>
+              <a:rPr lang="da-DK" dirty="0" err="1">
+                <a:solidFill>
+                  <a:schemeClr val="bg1"/>
+                </a:solidFill>
+              </a:rPr>
+              <a:t>Multithreading</a:t>
+            </a:r>
+            <a:endParaRPr lang="da-DK" dirty="0">
+              <a:solidFill>
+                <a:schemeClr val="bg1"/>
+              </a:solidFill>
+            </a:endParaRPr>
+          </a:p>
+          <a:p>
+            <a:r>
+              <a:rPr lang="da-DK" dirty="0" err="1">
+                <a:solidFill>
+                  <a:schemeClr val="bg1"/>
+                </a:solidFill>
+              </a:rPr>
+              <a:t>Concurrency</a:t>
+            </a:r>
+            <a:endParaRPr lang="da-DK" dirty="0">
+              <a:solidFill>
+                <a:schemeClr val="bg1"/>
+              </a:solidFill>
+            </a:endParaRPr>
+          </a:p>
+          <a:p>
+            <a:r>
+              <a:rPr lang="da-DK" dirty="0">
+                <a:solidFill>
+                  <a:schemeClr val="bg1"/>
+                </a:solidFill>
+              </a:rPr>
+              <a:t>Threads</a:t>
+            </a:r>
+          </a:p>
+          <a:p>
+            <a:r>
+              <a:rPr lang="da-DK" dirty="0">
+                <a:solidFill>
+                  <a:schemeClr val="bg1"/>
+                </a:solidFill>
+              </a:rPr>
+              <a:t>Task Parallel Library</a:t>
+            </a:r>
+          </a:p>
+          <a:p>
+            <a:r>
+              <a:rPr lang="da-DK" dirty="0">
+                <a:solidFill>
+                  <a:schemeClr val="bg1"/>
+                </a:solidFill>
+              </a:rPr>
+              <a:t>Asynchronous Programming</a:t>
+            </a:r>
+          </a:p>
+          <a:p>
+            <a:endParaRPr lang="da-DK" dirty="0">
+              <a:solidFill>
+                <a:schemeClr val="bg1"/>
+              </a:solidFill>
+            </a:endParaRPr>
+          </a:p>
+          <a:p>
+            <a:endParaRPr lang="da-DK" dirty="0">
+              <a:solidFill>
+                <a:schemeClr val="bg1"/>
+              </a:solidFill>
+            </a:endParaRPr>
+          </a:p>
+        </p:txBody>
+      </p:sp>
+    </p:spTree>
+    <p:extLst>
+      <p:ext uri="{BB962C8B-B14F-4D97-AF65-F5344CB8AC3E}">
+        <p14:creationId xmlns:p14="http://schemas.microsoft.com/office/powerpoint/2010/main" val="1116457128"/>
+      </p:ext>
+    </p:extLst>
+  </p:cSld>
+  <p:clrMapOvr>
+    <a:masterClrMapping/>
+  </p:clrMapOvr>
+  <p:transition>
+    <p:fade/>
+  </p:transition>
+</p:sld>
+</file>
+
+<file path=ppt/slides/slide3.xml><?xml version="1.0" encoding="utf-8"?>
 <p:sld xmlns:a="http://schemas.openxmlformats.org/drawingml/2006/main" xmlns:r="http://schemas.openxmlformats.org/officeDocument/2006/relationships" xmlns:p="http://schemas.openxmlformats.org/presentationml/2006/main">
   <p:cSld>
     <p:spTree>
@@ -7035,7 +7255,7 @@
 </p:sld>
 </file>
 
-<file path=ppt/slides/slide3.xml><?xml version="1.0" encoding="utf-8"?>
+<file path=ppt/slides/slide4.xml><?xml version="1.0" encoding="utf-8"?>
 <p:sld xmlns:a="http://schemas.openxmlformats.org/drawingml/2006/main" xmlns:r="http://schemas.openxmlformats.org/officeDocument/2006/relationships" xmlns:p="http://schemas.openxmlformats.org/presentationml/2006/main">
   <p:cSld>
     <p:spTree>
@@ -7137,7 +7357,7 @@
 </p:sld>
 </file>
 
-<file path=ppt/slides/slide4.xml><?xml version="1.0" encoding="utf-8"?>
+<file path=ppt/slides/slide5.xml><?xml version="1.0" encoding="utf-8"?>
 <p:sld xmlns:a="http://schemas.openxmlformats.org/drawingml/2006/main" xmlns:r="http://schemas.openxmlformats.org/officeDocument/2006/relationships" xmlns:p="http://schemas.openxmlformats.org/presentationml/2006/main">
   <p:cSld>
     <p:spTree>
@@ -8226,7 +8446,7 @@
 </p:sld>
 </file>
 
-<file path=ppt/slides/slide5.xml><?xml version="1.0" encoding="utf-8"?>
+<file path=ppt/slides/slide6.xml><?xml version="1.0" encoding="utf-8"?>
 <p:sld xmlns:a="http://schemas.openxmlformats.org/drawingml/2006/main" xmlns:r="http://schemas.openxmlformats.org/officeDocument/2006/relationships" xmlns:p="http://schemas.openxmlformats.org/presentationml/2006/main">
   <p:cSld>
     <p:spTree>
@@ -8282,7 +8502,7 @@
 </p:sld>
 </file>
 
-<file path=ppt/slides/slide6.xml><?xml version="1.0" encoding="utf-8"?>
+<file path=ppt/slides/slide7.xml><?xml version="1.0" encoding="utf-8"?>
 <p:sld xmlns:a="http://schemas.openxmlformats.org/drawingml/2006/main" xmlns:r="http://schemas.openxmlformats.org/officeDocument/2006/relationships" xmlns:p="http://schemas.openxmlformats.org/presentationml/2006/main">
   <p:cSld>
     <p:spTree>
@@ -8428,7 +8648,7 @@
 </p:sld>
 </file>
 
-<file path=ppt/slides/slide7.xml><?xml version="1.0" encoding="utf-8"?>
+<file path=ppt/slides/slide8.xml><?xml version="1.0" encoding="utf-8"?>
 <p:sld xmlns:a="http://schemas.openxmlformats.org/drawingml/2006/main" xmlns:r="http://schemas.openxmlformats.org/officeDocument/2006/relationships" xmlns:p="http://schemas.openxmlformats.org/presentationml/2006/main">
   <p:cSld>
     <p:spTree>
@@ -8553,7 +8773,7 @@
 </p:sld>
 </file>
 
-<file path=ppt/slides/slide8.xml><?xml version="1.0" encoding="utf-8"?>
+<file path=ppt/slides/slide9.xml><?xml version="1.0" encoding="utf-8"?>
 <p:sld xmlns:a="http://schemas.openxmlformats.org/drawingml/2006/main" xmlns:r="http://schemas.openxmlformats.org/officeDocument/2006/relationships" xmlns:p="http://schemas.openxmlformats.org/presentationml/2006/main">
   <p:cSld>
     <p:spTree>
@@ -8948,62 +9168,6 @@
     <p:extLst>
       <p:ext uri="{BB962C8B-B14F-4D97-AF65-F5344CB8AC3E}">
         <p14:creationId xmlns:p14="http://schemas.microsoft.com/office/powerpoint/2010/main" val="4289627610"/>
-      </p:ext>
-    </p:extLst>
-  </p:cSld>
-  <p:clrMapOvr>
-    <a:masterClrMapping/>
-  </p:clrMapOvr>
-  <p:transition>
-    <p:fade/>
-  </p:transition>
-</p:sld>
-</file>
-
-<file path=ppt/slides/slide9.xml><?xml version="1.0" encoding="utf-8"?>
-<p:sld xmlns:a="http://schemas.openxmlformats.org/drawingml/2006/main" xmlns:r="http://schemas.openxmlformats.org/officeDocument/2006/relationships" xmlns:p="http://schemas.openxmlformats.org/presentationml/2006/main">
-  <p:cSld>
-    <p:spTree>
-      <p:nvGrpSpPr>
-        <p:cNvPr id="1" name=""/>
-        <p:cNvGrpSpPr/>
-        <p:nvPr/>
-      </p:nvGrpSpPr>
-      <p:grpSpPr>
-        <a:xfrm>
-          <a:off x="0" y="0"/>
-          <a:ext cx="0" cy="0"/>
-          <a:chOff x="0" y="0"/>
-          <a:chExt cx="0" cy="0"/>
-        </a:xfrm>
-      </p:grpSpPr>
-      <p:sp>
-        <p:nvSpPr>
-          <p:cNvPr id="2" name="Title 1"/>
-          <p:cNvSpPr>
-            <a:spLocks noGrp="1"/>
-          </p:cNvSpPr>
-          <p:nvPr>
-            <p:ph type="title"/>
-          </p:nvPr>
-        </p:nvSpPr>
-        <p:spPr/>
-        <p:txBody>
-          <a:bodyPr/>
-          <a:lstStyle/>
-          <a:p>
-            <a:r>
-              <a:rPr lang="en-US" dirty="0"/>
-              <a:t>Race Condition Demo</a:t>
-            </a:r>
-            <a:endParaRPr lang="da-DK" dirty="0"/>
-          </a:p>
-        </p:txBody>
-      </p:sp>
-    </p:spTree>
-    <p:extLst>
-      <p:ext uri="{BB962C8B-B14F-4D97-AF65-F5344CB8AC3E}">
-        <p14:creationId xmlns:p14="http://schemas.microsoft.com/office/powerpoint/2010/main" val="4060576183"/>
       </p:ext>
     </p:extLst>
   </p:cSld>
@@ -10249,16 +10413,16 @@
 <file path=customXml/itemProps3.xml><?xml version="1.0" encoding="utf-8"?>
 <ds:datastoreItem xmlns:ds="http://schemas.openxmlformats.org/officeDocument/2006/customXml" ds:itemID="{F990F116-B58F-4255-B05B-DA3808E0E5C6}">
   <ds:schemaRefs>
+    <ds:schemaRef ds:uri="http://purl.org/dc/terms/"/>
+    <ds:schemaRef ds:uri="http://schemas.openxmlformats.org/package/2006/metadata/core-properties"/>
+    <ds:schemaRef ds:uri="http://purl.org/dc/dcmitype/"/>
     <ds:schemaRef ds:uri="http://schemas.microsoft.com/office/2006/documentManagement/types"/>
-    <ds:schemaRef ds:uri="http://purl.org/dc/dcmitype/"/>
-    <ds:schemaRef ds:uri="http://schemas.openxmlformats.org/package/2006/metadata/core-properties"/>
-    <ds:schemaRef ds:uri="http://purl.org/dc/elements/1.1/"/>
     <ds:schemaRef ds:uri="http://schemas.microsoft.com/office/2006/metadata/properties"/>
-    <ds:schemaRef ds:uri="http://schemas.microsoft.com/office/infopath/2007/PartnerControls"/>
     <ds:schemaRef ds:uri="8b529f77-48ab-4581-b468-93f09345b8aa"/>
     <ds:schemaRef ds:uri="2295e2e7-0eeb-498e-8716-217bb2ee6ee3"/>
+    <ds:schemaRef ds:uri="http://schemas.microsoft.com/office/infopath/2007/PartnerControls"/>
     <ds:schemaRef ds:uri="http://www.w3.org/XML/1998/namespace"/>
-    <ds:schemaRef ds:uri="http://purl.org/dc/terms/"/>
+    <ds:schemaRef ds:uri="http://purl.org/dc/elements/1.1/"/>
   </ds:schemaRefs>
 </ds:datastoreItem>
 </file>